--- a/Золбоогийн баг.pptx
+++ b/Золбоогийн баг.pptx
@@ -7,11 +7,12 @@
   <p:sldIdLst>
     <p:sldId id="256" r:id="rId2"/>
     <p:sldId id="257" r:id="rId3"/>
-    <p:sldId id="258" r:id="rId4"/>
-    <p:sldId id="259" r:id="rId5"/>
-    <p:sldId id="260" r:id="rId6"/>
-    <p:sldId id="261" r:id="rId7"/>
-    <p:sldId id="262" r:id="rId8"/>
+    <p:sldId id="263" r:id="rId4"/>
+    <p:sldId id="258" r:id="rId5"/>
+    <p:sldId id="259" r:id="rId6"/>
+    <p:sldId id="260" r:id="rId7"/>
+    <p:sldId id="261" r:id="rId8"/>
+    <p:sldId id="262" r:id="rId9"/>
   </p:sldIdLst>
   <p:sldSz cx="12192000" cy="6858000"/>
   <p:notesSz cx="6858000" cy="9144000"/>
@@ -6241,7 +6242,7 @@
           <p:cNvPr id="2" name="Title 1">
             <a:extLst>
               <a:ext uri="{FF2B5EF4-FFF2-40B4-BE49-F238E27FC236}">
-                <a16:creationId xmlns:a16="http://schemas.microsoft.com/office/drawing/2014/main" id="{C78A0CBA-D875-43AC-A398-4EA2C5B00843}"/>
+                <a16:creationId xmlns:a16="http://schemas.microsoft.com/office/drawing/2014/main" id="{A70F428E-6CA8-48DF-BDD4-5F4B1708F856}"/>
               </a:ext>
             </a:extLst>
           </p:cNvPr>
@@ -6252,20 +6253,21 @@
             <p:ph type="title"/>
           </p:nvPr>
         </p:nvSpPr>
-        <p:spPr/>
+        <p:spPr>
+          <a:xfrm>
+            <a:off x="646111" y="452718"/>
+            <a:ext cx="9404723" cy="156882"/>
+          </a:xfrm>
+        </p:spPr>
         <p:txBody>
           <a:bodyPr/>
           <a:lstStyle/>
           <a:p>
-            <a:pPr algn="ctr"/>
             <a:r>
               <a:rPr lang="mn-MN" dirty="0"/>
-              <a:t>Онцлох </a:t>
-            </a:r>
-            <a:r>
-              <a:rPr lang="en-US" dirty="0"/>
-              <a:t>Methods</a:t>
-            </a:r>
+              <a:t> </a:t>
+            </a:r>
+            <a:endParaRPr lang="en-US" dirty="0"/>
           </a:p>
         </p:txBody>
       </p:sp>
@@ -6274,7 +6276,7 @@
           <p:cNvPr id="5" name="Content Placeholder 4">
             <a:extLst>
               <a:ext uri="{FF2B5EF4-FFF2-40B4-BE49-F238E27FC236}">
-                <a16:creationId xmlns:a16="http://schemas.microsoft.com/office/drawing/2014/main" id="{A2C5B776-9DE7-4740-8B39-B2B76433CF95}"/>
+                <a16:creationId xmlns:a16="http://schemas.microsoft.com/office/drawing/2014/main" id="{8084D113-719C-4093-92FA-DD47672AE549}"/>
               </a:ext>
             </a:extLst>
           </p:cNvPr>
@@ -6286,28 +6288,22 @@
           </p:nvPr>
         </p:nvPicPr>
         <p:blipFill>
-          <a:blip r:embed="rId2">
-            <a:extLst>
-              <a:ext uri="{28A0092B-C50C-407E-A947-70E740481C1C}">
-                <a14:useLocalDpi xmlns:a14="http://schemas.microsoft.com/office/drawing/2010/main" val="0"/>
-              </a:ext>
-            </a:extLst>
-          </a:blip>
+          <a:blip r:embed="rId2"/>
           <a:stretch>
             <a:fillRect/>
           </a:stretch>
         </p:blipFill>
         <p:spPr>
           <a:xfrm>
-            <a:off x="2346628" y="2186039"/>
-            <a:ext cx="8210592" cy="2941534"/>
+            <a:off x="2120348" y="2052638"/>
+            <a:ext cx="7142922" cy="4195762"/>
           </a:xfrm>
         </p:spPr>
       </p:pic>
     </p:spTree>
     <p:extLst>
       <p:ext uri="{BB962C8B-B14F-4D97-AF65-F5344CB8AC3E}">
-        <p14:creationId xmlns:p14="http://schemas.microsoft.com/office/powerpoint/2010/main" val="351919729"/>
+        <p14:creationId xmlns:p14="http://schemas.microsoft.com/office/powerpoint/2010/main" val="347081123"/>
       </p:ext>
     </p:extLst>
   </p:cSld>
@@ -6339,7 +6335,7 @@
           <p:cNvPr id="2" name="Title 1">
             <a:extLst>
               <a:ext uri="{FF2B5EF4-FFF2-40B4-BE49-F238E27FC236}">
-                <a16:creationId xmlns:a16="http://schemas.microsoft.com/office/drawing/2014/main" id="{F92360E5-B8BB-4214-A2A2-920AD5229A20}"/>
+                <a16:creationId xmlns:a16="http://schemas.microsoft.com/office/drawing/2014/main" id="{C78A0CBA-D875-43AC-A398-4EA2C5B00843}"/>
               </a:ext>
             </a:extLst>
           </p:cNvPr>
@@ -6358,9 +6354,12 @@
             <a:pPr algn="ctr"/>
             <a:r>
               <a:rPr lang="mn-MN" dirty="0"/>
-              <a:t>Гараас орж ирэх утгуудад анализ хийсэн</a:t>
-            </a:r>
-            <a:endParaRPr lang="en-US" dirty="0"/>
+              <a:t>Онцлох </a:t>
+            </a:r>
+            <a:r>
+              <a:rPr lang="en-US" dirty="0"/>
+              <a:t>Methods</a:t>
+            </a:r>
           </a:p>
         </p:txBody>
       </p:sp>
@@ -6369,7 +6368,7 @@
           <p:cNvPr id="5" name="Content Placeholder 4">
             <a:extLst>
               <a:ext uri="{FF2B5EF4-FFF2-40B4-BE49-F238E27FC236}">
-                <a16:creationId xmlns:a16="http://schemas.microsoft.com/office/drawing/2014/main" id="{4C31E1DA-1879-4629-8780-6E7DE0211313}"/>
+                <a16:creationId xmlns:a16="http://schemas.microsoft.com/office/drawing/2014/main" id="{A2C5B776-9DE7-4740-8B39-B2B76433CF95}"/>
               </a:ext>
             </a:extLst>
           </p:cNvPr>
@@ -6394,15 +6393,15 @@
         </p:blipFill>
         <p:spPr>
           <a:xfrm>
-            <a:off x="1103312" y="2133600"/>
-            <a:ext cx="10015261" cy="4174435"/>
+            <a:off x="2346628" y="2186039"/>
+            <a:ext cx="8210592" cy="2941534"/>
           </a:xfrm>
         </p:spPr>
       </p:pic>
     </p:spTree>
     <p:extLst>
       <p:ext uri="{BB962C8B-B14F-4D97-AF65-F5344CB8AC3E}">
-        <p14:creationId xmlns:p14="http://schemas.microsoft.com/office/powerpoint/2010/main" val="2598245353"/>
+        <p14:creationId xmlns:p14="http://schemas.microsoft.com/office/powerpoint/2010/main" val="351919729"/>
       </p:ext>
     </p:extLst>
   </p:cSld>
@@ -6434,7 +6433,7 @@
           <p:cNvPr id="2" name="Title 1">
             <a:extLst>
               <a:ext uri="{FF2B5EF4-FFF2-40B4-BE49-F238E27FC236}">
-                <a16:creationId xmlns:a16="http://schemas.microsoft.com/office/drawing/2014/main" id="{57E4CB5E-ED83-4480-B24E-5F18665B11BB}"/>
+                <a16:creationId xmlns:a16="http://schemas.microsoft.com/office/drawing/2014/main" id="{F92360E5-B8BB-4214-A2A2-920AD5229A20}"/>
               </a:ext>
             </a:extLst>
           </p:cNvPr>
@@ -6445,16 +6444,16 @@
             <p:ph type="title"/>
           </p:nvPr>
         </p:nvSpPr>
-        <p:spPr>
-          <a:xfrm>
-            <a:off x="646111" y="452718"/>
-            <a:ext cx="9404723" cy="77369"/>
-          </a:xfrm>
-        </p:spPr>
+        <p:spPr/>
         <p:txBody>
           <a:bodyPr/>
           <a:lstStyle/>
           <a:p>
+            <a:pPr algn="ctr"/>
+            <a:r>
+              <a:rPr lang="mn-MN" dirty="0"/>
+              <a:t>Гараас орж ирэх утгуудад анализ хийсэн</a:t>
+            </a:r>
             <a:endParaRPr lang="en-US" dirty="0"/>
           </a:p>
         </p:txBody>
@@ -6464,7 +6463,7 @@
           <p:cNvPr id="5" name="Content Placeholder 4">
             <a:extLst>
               <a:ext uri="{FF2B5EF4-FFF2-40B4-BE49-F238E27FC236}">
-                <a16:creationId xmlns:a16="http://schemas.microsoft.com/office/drawing/2014/main" id="{970AE7D3-07A9-4B7B-8A32-231FBA2A79BE}"/>
+                <a16:creationId xmlns:a16="http://schemas.microsoft.com/office/drawing/2014/main" id="{4C31E1DA-1879-4629-8780-6E7DE0211313}"/>
               </a:ext>
             </a:extLst>
           </p:cNvPr>
@@ -6489,15 +6488,15 @@
         </p:blipFill>
         <p:spPr>
           <a:xfrm>
-            <a:off x="1103313" y="1669774"/>
-            <a:ext cx="9404723" cy="4253948"/>
+            <a:off x="1103312" y="2133600"/>
+            <a:ext cx="10015261" cy="4174435"/>
           </a:xfrm>
         </p:spPr>
       </p:pic>
     </p:spTree>
     <p:extLst>
       <p:ext uri="{BB962C8B-B14F-4D97-AF65-F5344CB8AC3E}">
-        <p14:creationId xmlns:p14="http://schemas.microsoft.com/office/powerpoint/2010/main" val="971587087"/>
+        <p14:creationId xmlns:p14="http://schemas.microsoft.com/office/powerpoint/2010/main" val="2598245353"/>
       </p:ext>
     </p:extLst>
   </p:cSld>
@@ -6529,7 +6528,7 @@
           <p:cNvPr id="2" name="Title 1">
             <a:extLst>
               <a:ext uri="{FF2B5EF4-FFF2-40B4-BE49-F238E27FC236}">
-                <a16:creationId xmlns:a16="http://schemas.microsoft.com/office/drawing/2014/main" id="{0EC907D2-747D-4760-91C8-5C3A09E0BA85}"/>
+                <a16:creationId xmlns:a16="http://schemas.microsoft.com/office/drawing/2014/main" id="{57E4CB5E-ED83-4480-B24E-5F18665B11BB}"/>
               </a:ext>
             </a:extLst>
           </p:cNvPr>
@@ -6540,23 +6539,17 @@
             <p:ph type="title"/>
           </p:nvPr>
         </p:nvSpPr>
-        <p:spPr/>
+        <p:spPr>
+          <a:xfrm>
+            <a:off x="646111" y="452718"/>
+            <a:ext cx="9404723" cy="77369"/>
+          </a:xfrm>
+        </p:spPr>
         <p:txBody>
           <a:bodyPr/>
           <a:lstStyle/>
           <a:p>
-            <a:r>
-              <a:rPr lang="en-US" dirty="0"/>
-              <a:t>Task add </a:t>
-            </a:r>
-            <a:r>
-              <a:rPr lang="mn-MN" dirty="0"/>
-              <a:t>хийхэд ажиллаж байгаа </a:t>
-            </a:r>
-            <a:r>
-              <a:rPr lang="en-US" dirty="0"/>
-              <a:t>method</a:t>
-            </a:r>
+            <a:endParaRPr lang="en-US" dirty="0"/>
           </a:p>
         </p:txBody>
       </p:sp>
@@ -6565,7 +6558,7 @@
           <p:cNvPr id="5" name="Content Placeholder 4">
             <a:extLst>
               <a:ext uri="{FF2B5EF4-FFF2-40B4-BE49-F238E27FC236}">
-                <a16:creationId xmlns:a16="http://schemas.microsoft.com/office/drawing/2014/main" id="{0A826ED5-6FBF-409A-A01B-9E92B0474233}"/>
+                <a16:creationId xmlns:a16="http://schemas.microsoft.com/office/drawing/2014/main" id="{970AE7D3-07A9-4B7B-8A32-231FBA2A79BE}"/>
               </a:ext>
             </a:extLst>
           </p:cNvPr>
@@ -6590,15 +6583,15 @@
         </p:blipFill>
         <p:spPr>
           <a:xfrm>
-            <a:off x="420381" y="1853249"/>
-            <a:ext cx="11069254" cy="4069168"/>
+            <a:off x="1103313" y="1669774"/>
+            <a:ext cx="9404723" cy="4253948"/>
           </a:xfrm>
         </p:spPr>
       </p:pic>
     </p:spTree>
     <p:extLst>
       <p:ext uri="{BB962C8B-B14F-4D97-AF65-F5344CB8AC3E}">
-        <p14:creationId xmlns:p14="http://schemas.microsoft.com/office/powerpoint/2010/main" val="3178465252"/>
+        <p14:creationId xmlns:p14="http://schemas.microsoft.com/office/powerpoint/2010/main" val="971587087"/>
       </p:ext>
     </p:extLst>
   </p:cSld>
@@ -6630,6 +6623,107 @@
           <p:cNvPr id="2" name="Title 1">
             <a:extLst>
               <a:ext uri="{FF2B5EF4-FFF2-40B4-BE49-F238E27FC236}">
+                <a16:creationId xmlns:a16="http://schemas.microsoft.com/office/drawing/2014/main" id="{0EC907D2-747D-4760-91C8-5C3A09E0BA85}"/>
+              </a:ext>
+            </a:extLst>
+          </p:cNvPr>
+          <p:cNvSpPr>
+            <a:spLocks noGrp="1"/>
+          </p:cNvSpPr>
+          <p:nvPr>
+            <p:ph type="title"/>
+          </p:nvPr>
+        </p:nvSpPr>
+        <p:spPr/>
+        <p:txBody>
+          <a:bodyPr/>
+          <a:lstStyle/>
+          <a:p>
+            <a:r>
+              <a:rPr lang="en-US" dirty="0"/>
+              <a:t>Task add </a:t>
+            </a:r>
+            <a:r>
+              <a:rPr lang="mn-MN" dirty="0"/>
+              <a:t>хийхэд ажиллаж байгаа </a:t>
+            </a:r>
+            <a:r>
+              <a:rPr lang="en-US" dirty="0"/>
+              <a:t>method</a:t>
+            </a:r>
+          </a:p>
+        </p:txBody>
+      </p:sp>
+      <p:pic>
+        <p:nvPicPr>
+          <p:cNvPr id="5" name="Content Placeholder 4">
+            <a:extLst>
+              <a:ext uri="{FF2B5EF4-FFF2-40B4-BE49-F238E27FC236}">
+                <a16:creationId xmlns:a16="http://schemas.microsoft.com/office/drawing/2014/main" id="{0A826ED5-6FBF-409A-A01B-9E92B0474233}"/>
+              </a:ext>
+            </a:extLst>
+          </p:cNvPr>
+          <p:cNvPicPr>
+            <a:picLocks noGrp="1" noChangeAspect="1"/>
+          </p:cNvPicPr>
+          <p:nvPr>
+            <p:ph idx="1"/>
+          </p:nvPr>
+        </p:nvPicPr>
+        <p:blipFill>
+          <a:blip r:embed="rId2">
+            <a:extLst>
+              <a:ext uri="{28A0092B-C50C-407E-A947-70E740481C1C}">
+                <a14:useLocalDpi xmlns:a14="http://schemas.microsoft.com/office/drawing/2010/main" val="0"/>
+              </a:ext>
+            </a:extLst>
+          </a:blip>
+          <a:stretch>
+            <a:fillRect/>
+          </a:stretch>
+        </p:blipFill>
+        <p:spPr>
+          <a:xfrm>
+            <a:off x="420381" y="1853249"/>
+            <a:ext cx="11069254" cy="4069168"/>
+          </a:xfrm>
+        </p:spPr>
+      </p:pic>
+    </p:spTree>
+    <p:extLst>
+      <p:ext uri="{BB962C8B-B14F-4D97-AF65-F5344CB8AC3E}">
+        <p14:creationId xmlns:p14="http://schemas.microsoft.com/office/powerpoint/2010/main" val="3178465252"/>
+      </p:ext>
+    </p:extLst>
+  </p:cSld>
+  <p:clrMapOvr>
+    <a:masterClrMapping/>
+  </p:clrMapOvr>
+</p:sld>
+</file>
+
+<file path=ppt/slides/slide8.xml><?xml version="1.0" encoding="utf-8"?>
+<p:sld xmlns:a="http://schemas.openxmlformats.org/drawingml/2006/main" xmlns:r="http://schemas.openxmlformats.org/officeDocument/2006/relationships" xmlns:p="http://schemas.openxmlformats.org/presentationml/2006/main">
+  <p:cSld>
+    <p:spTree>
+      <p:nvGrpSpPr>
+        <p:cNvPr id="1" name=""/>
+        <p:cNvGrpSpPr/>
+        <p:nvPr/>
+      </p:nvGrpSpPr>
+      <p:grpSpPr>
+        <a:xfrm>
+          <a:off x="0" y="0"/>
+          <a:ext cx="0" cy="0"/>
+          <a:chOff x="0" y="0"/>
+          <a:chExt cx="0" cy="0"/>
+        </a:xfrm>
+      </p:grpSpPr>
+      <p:sp>
+        <p:nvSpPr>
+          <p:cNvPr id="2" name="Title 1">
+            <a:extLst>
+              <a:ext uri="{FF2B5EF4-FFF2-40B4-BE49-F238E27FC236}">
                 <a16:creationId xmlns:a16="http://schemas.microsoft.com/office/drawing/2014/main" id="{FBF8C476-21EE-49EE-AB7C-8C26D885C49E}"/>
               </a:ext>
             </a:extLst>
@@ -6685,6 +6779,12 @@
         <p:txBody>
           <a:bodyPr/>
           <a:lstStyle/>
+          <a:p>
+            <a:r>
+              <a:rPr lang="mn-MN" dirty="0"/>
+              <a:t> </a:t>
+            </a:r>
+          </a:p>
           <a:p>
             <a:endParaRPr lang="en-US" dirty="0"/>
           </a:p>
